--- a/Final.pptx
+++ b/Final.pptx
@@ -679,7 +679,7 @@
           <a:p>
             <a:fld id="{E335F522-6256-461E-A79F-4037A6D0C8F9}" type="datetimeFigureOut">
               <a:rPr lang="zh-CN" altLang="en-US" smtClean="0"/>
-              <a:t>2019/4/9</a:t>
+              <a:t>2019/4/29</a:t>
             </a:fld>
             <a:endParaRPr lang="zh-CN" altLang="en-US"/>
           </a:p>
@@ -844,7 +844,7 @@
           <a:p>
             <a:fld id="{E335F522-6256-461E-A79F-4037A6D0C8F9}" type="datetimeFigureOut">
               <a:rPr lang="zh-CN" altLang="en-US" smtClean="0"/>
-              <a:t>2019/4/9</a:t>
+              <a:t>2019/4/29</a:t>
             </a:fld>
             <a:endParaRPr lang="zh-CN" altLang="en-US"/>
           </a:p>
@@ -1019,7 +1019,7 @@
           <a:p>
             <a:fld id="{E335F522-6256-461E-A79F-4037A6D0C8F9}" type="datetimeFigureOut">
               <a:rPr lang="zh-CN" altLang="en-US" smtClean="0"/>
-              <a:t>2019/4/9</a:t>
+              <a:t>2019/4/29</a:t>
             </a:fld>
             <a:endParaRPr lang="zh-CN" altLang="en-US"/>
           </a:p>
@@ -1184,7 +1184,7 @@
           <a:p>
             <a:fld id="{E335F522-6256-461E-A79F-4037A6D0C8F9}" type="datetimeFigureOut">
               <a:rPr lang="zh-CN" altLang="en-US" smtClean="0"/>
-              <a:t>2019/4/9</a:t>
+              <a:t>2019/4/29</a:t>
             </a:fld>
             <a:endParaRPr lang="zh-CN" altLang="en-US"/>
           </a:p>
@@ -1423,7 +1423,7 @@
           <a:p>
             <a:fld id="{E335F522-6256-461E-A79F-4037A6D0C8F9}" type="datetimeFigureOut">
               <a:rPr lang="zh-CN" altLang="en-US" smtClean="0"/>
-              <a:t>2019/4/9</a:t>
+              <a:t>2019/4/29</a:t>
             </a:fld>
             <a:endParaRPr lang="zh-CN" altLang="en-US"/>
           </a:p>
@@ -1650,7 +1650,7 @@
           <a:p>
             <a:fld id="{E335F522-6256-461E-A79F-4037A6D0C8F9}" type="datetimeFigureOut">
               <a:rPr lang="zh-CN" altLang="en-US" smtClean="0"/>
-              <a:t>2019/4/9</a:t>
+              <a:t>2019/4/29</a:t>
             </a:fld>
             <a:endParaRPr lang="zh-CN" altLang="en-US"/>
           </a:p>
@@ -2012,7 +2012,7 @@
           <a:p>
             <a:fld id="{E335F522-6256-461E-A79F-4037A6D0C8F9}" type="datetimeFigureOut">
               <a:rPr lang="zh-CN" altLang="en-US" smtClean="0"/>
-              <a:t>2019/4/9</a:t>
+              <a:t>2019/4/29</a:t>
             </a:fld>
             <a:endParaRPr lang="zh-CN" altLang="en-US"/>
           </a:p>
@@ -2125,7 +2125,7 @@
           <a:p>
             <a:fld id="{E335F522-6256-461E-A79F-4037A6D0C8F9}" type="datetimeFigureOut">
               <a:rPr lang="zh-CN" altLang="en-US" smtClean="0"/>
-              <a:t>2019/4/9</a:t>
+              <a:t>2019/4/29</a:t>
             </a:fld>
             <a:endParaRPr lang="zh-CN" altLang="en-US"/>
           </a:p>
@@ -2215,7 +2215,7 @@
           <a:p>
             <a:fld id="{E335F522-6256-461E-A79F-4037A6D0C8F9}" type="datetimeFigureOut">
               <a:rPr lang="zh-CN" altLang="en-US" smtClean="0"/>
-              <a:t>2019/4/9</a:t>
+              <a:t>2019/4/29</a:t>
             </a:fld>
             <a:endParaRPr lang="zh-CN" altLang="en-US"/>
           </a:p>
@@ -2487,7 +2487,7 @@
           <a:p>
             <a:fld id="{E335F522-6256-461E-A79F-4037A6D0C8F9}" type="datetimeFigureOut">
               <a:rPr lang="zh-CN" altLang="en-US" smtClean="0"/>
-              <a:t>2019/4/9</a:t>
+              <a:t>2019/4/29</a:t>
             </a:fld>
             <a:endParaRPr lang="zh-CN" altLang="en-US"/>
           </a:p>
@@ -2739,7 +2739,7 @@
           <a:p>
             <a:fld id="{E335F522-6256-461E-A79F-4037A6D0C8F9}" type="datetimeFigureOut">
               <a:rPr lang="zh-CN" altLang="en-US" smtClean="0"/>
-              <a:t>2019/4/9</a:t>
+              <a:t>2019/4/29</a:t>
             </a:fld>
             <a:endParaRPr lang="zh-CN" altLang="en-US"/>
           </a:p>
@@ -2947,7 +2947,7 @@
           <a:p>
             <a:fld id="{E335F522-6256-461E-A79F-4037A6D0C8F9}" type="datetimeFigureOut">
               <a:rPr lang="zh-CN" altLang="en-US" smtClean="0"/>
-              <a:t>2019/4/9</a:t>
+              <a:t>2019/4/29</a:t>
             </a:fld>
             <a:endParaRPr lang="zh-CN" altLang="en-US"/>
           </a:p>
@@ -3464,6 +3464,35 @@
           </a:p>
         </p:txBody>
       </p:sp>
+      <p:pic>
+        <p:nvPicPr>
+          <p:cNvPr id="2" name="图片 1">
+            <a:extLst>
+              <a:ext uri="{FF2B5EF4-FFF2-40B4-BE49-F238E27FC236}">
+                <a16:creationId xmlns:a16="http://schemas.microsoft.com/office/drawing/2014/main" id="{D8D42653-F294-41BA-96C3-9D784B401EBA}"/>
+              </a:ext>
+            </a:extLst>
+          </p:cNvPr>
+          <p:cNvPicPr>
+            <a:picLocks noChangeAspect="1"/>
+          </p:cNvPicPr>
+          <p:nvPr/>
+        </p:nvPicPr>
+        <p:blipFill rotWithShape="1">
+          <a:blip r:embed="rId2"/>
+          <a:srcRect t="5299" r="44327" b="7098"/>
+          <a:stretch/>
+        </p:blipFill>
+        <p:spPr>
+          <a:xfrm>
+            <a:off x="3815861" y="2277208"/>
+            <a:ext cx="5090746" cy="4505812"/>
+          </a:xfrm>
+          <a:prstGeom prst="rect">
+            <a:avLst/>
+          </a:prstGeom>
+        </p:spPr>
+      </p:pic>
     </p:spTree>
   </p:cSld>
   <p:clrMapOvr>
@@ -3545,6 +3574,35 @@
           </a:p>
         </p:txBody>
       </p:sp>
+      <p:pic>
+        <p:nvPicPr>
+          <p:cNvPr id="2" name="图片 1">
+            <a:extLst>
+              <a:ext uri="{FF2B5EF4-FFF2-40B4-BE49-F238E27FC236}">
+                <a16:creationId xmlns:a16="http://schemas.microsoft.com/office/drawing/2014/main" id="{1127BAA0-5C6D-481A-A574-09598C17D779}"/>
+              </a:ext>
+            </a:extLst>
+          </p:cNvPr>
+          <p:cNvPicPr>
+            <a:picLocks noChangeAspect="1"/>
+          </p:cNvPicPr>
+          <p:nvPr/>
+        </p:nvPicPr>
+        <p:blipFill rotWithShape="1">
+          <a:blip r:embed="rId2"/>
+          <a:srcRect l="1058" t="9488" r="43173" b="5915"/>
+          <a:stretch/>
+        </p:blipFill>
+        <p:spPr>
+          <a:xfrm>
+            <a:off x="3807068" y="1960561"/>
+            <a:ext cx="5099539" cy="4351338"/>
+          </a:xfrm>
+          <a:prstGeom prst="rect">
+            <a:avLst/>
+          </a:prstGeom>
+        </p:spPr>
+      </p:pic>
     </p:spTree>
   </p:cSld>
   <p:clrMapOvr>
@@ -3580,7 +3638,12 @@
             <p:ph type="title"/>
           </p:nvPr>
         </p:nvSpPr>
-        <p:spPr/>
+        <p:spPr>
+          <a:xfrm>
+            <a:off x="628650" y="338749"/>
+            <a:ext cx="7886700" cy="1325563"/>
+          </a:xfrm>
+        </p:spPr>
         <p:txBody>
           <a:bodyPr/>
           <a:lstStyle/>
@@ -3616,7 +3679,7 @@
           </a:p>
           <a:p>
             <a:r>
-              <a:rPr lang="en-US" altLang="zh-CN"/>
+              <a:rPr lang="en-US" altLang="zh-CN" dirty="0"/>
               <a:t>show question</a:t>
             </a:r>
             <a:endParaRPr lang="zh-CN" dirty="0"/>
@@ -3624,15 +3687,7 @@
           <a:p>
             <a:r>
               <a:rPr lang="en-US" altLang="zh-CN" dirty="0"/>
-              <a:t>Use </a:t>
-            </a:r>
-            <a:r>
-              <a:rPr lang="en-US" altLang="zh-CN" dirty="0" err="1"/>
-              <a:t>ur</a:t>
-            </a:r>
-            <a:r>
-              <a:rPr lang="en-US" altLang="zh-CN" dirty="0"/>
-              <a:t> sound</a:t>
+              <a:t>Use your sound</a:t>
             </a:r>
             <a:endParaRPr lang="zh-CN" dirty="0"/>
           </a:p>
@@ -3655,6 +3710,35 @@
           </a:p>
         </p:txBody>
       </p:sp>
+      <p:pic>
+        <p:nvPicPr>
+          <p:cNvPr id="2" name="图片 1">
+            <a:extLst>
+              <a:ext uri="{FF2B5EF4-FFF2-40B4-BE49-F238E27FC236}">
+                <a16:creationId xmlns:a16="http://schemas.microsoft.com/office/drawing/2014/main" id="{6016157D-E457-4516-B57B-9111510FE791}"/>
+              </a:ext>
+            </a:extLst>
+          </p:cNvPr>
+          <p:cNvPicPr>
+            <a:picLocks noChangeAspect="1"/>
+          </p:cNvPicPr>
+          <p:nvPr/>
+        </p:nvPicPr>
+        <p:blipFill rotWithShape="1">
+          <a:blip r:embed="rId2"/>
+          <a:srcRect l="20385" t="9146" r="44711" b="1112"/>
+          <a:stretch/>
+        </p:blipFill>
+        <p:spPr>
+          <a:xfrm>
+            <a:off x="5323741" y="1543416"/>
+            <a:ext cx="3191609" cy="4615962"/>
+          </a:xfrm>
+          <a:prstGeom prst="rect">
+            <a:avLst/>
+          </a:prstGeom>
+        </p:spPr>
+      </p:pic>
     </p:spTree>
   </p:cSld>
   <p:clrMapOvr>
